--- a/L01P01 - Smartlab IOT - Flowcharts - Edublocks/L01P01 - Week 02 - Flowcharts/L01P01 - Week 02 - Les1 - Galgje.pptx
+++ b/L01P01 - Smartlab IOT - Flowcharts - Edublocks/L01P01 - Week 02 - Flowcharts/L01P01 - Week 02 - Les1 - Galgje.pptx
@@ -124,155 +124,6 @@
 
 <file path=ppt/changesInfos/changesInfo1.xml><?xml version="1.0" encoding="utf-8"?>
 <pc:chgInfo xmlns:a="http://schemas.openxmlformats.org/drawingml/2006/main" xmlns:r="http://schemas.openxmlformats.org/officeDocument/2006/relationships" xmlns:ac="http://schemas.microsoft.com/office/drawing/2013/main/command" xmlns:pc="http://schemas.microsoft.com/office/powerpoint/2013/main/command">
-  <pc:docChgLst>
-    <pc:chgData name="Arjan Kamberg" userId="2cfeac95-aab1-41a7-bca5-796b19d85bc0" providerId="ADAL" clId="{6D9F55C0-E474-3341-A21F-4E928A888976}"/>
-    <pc:docChg chg="custSel addSld delSld modSld">
-      <pc:chgData name="Arjan Kamberg" userId="2cfeac95-aab1-41a7-bca5-796b19d85bc0" providerId="ADAL" clId="{6D9F55C0-E474-3341-A21F-4E928A888976}" dt="2020-01-11T11:13:14.508" v="117" actId="20577"/>
-      <pc:docMkLst>
-        <pc:docMk/>
-      </pc:docMkLst>
-      <pc:sldChg chg="modSp">
-        <pc:chgData name="Arjan Kamberg" userId="2cfeac95-aab1-41a7-bca5-796b19d85bc0" providerId="ADAL" clId="{6D9F55C0-E474-3341-A21F-4E928A888976}" dt="2020-01-11T11:05:51.193" v="0"/>
-        <pc:sldMkLst>
-          <pc:docMk/>
-          <pc:sldMk cId="248983296" sldId="256"/>
-        </pc:sldMkLst>
-        <pc:spChg chg="mod">
-          <ac:chgData name="Arjan Kamberg" userId="2cfeac95-aab1-41a7-bca5-796b19d85bc0" providerId="ADAL" clId="{6D9F55C0-E474-3341-A21F-4E928A888976}" dt="2020-01-11T11:05:51.193" v="0"/>
-          <ac:spMkLst>
-            <pc:docMk/>
-            <pc:sldMk cId="248983296" sldId="256"/>
-            <ac:spMk id="8" creationId="{504648F9-71D5-4088-A705-93B3953EDA91}"/>
-          </ac:spMkLst>
-        </pc:spChg>
-      </pc:sldChg>
-      <pc:sldChg chg="modSp">
-        <pc:chgData name="Arjan Kamberg" userId="2cfeac95-aab1-41a7-bca5-796b19d85bc0" providerId="ADAL" clId="{6D9F55C0-E474-3341-A21F-4E928A888976}" dt="2020-01-11T11:09:44.497" v="61" actId="20577"/>
-        <pc:sldMkLst>
-          <pc:docMk/>
-          <pc:sldMk cId="2952350753" sldId="354"/>
-        </pc:sldMkLst>
-        <pc:spChg chg="mod">
-          <ac:chgData name="Arjan Kamberg" userId="2cfeac95-aab1-41a7-bca5-796b19d85bc0" providerId="ADAL" clId="{6D9F55C0-E474-3341-A21F-4E928A888976}" dt="2020-01-11T11:09:32.035" v="27" actId="20577"/>
-          <ac:spMkLst>
-            <pc:docMk/>
-            <pc:sldMk cId="2952350753" sldId="354"/>
-            <ac:spMk id="2" creationId="{00000000-0000-0000-0000-000000000000}"/>
-          </ac:spMkLst>
-        </pc:spChg>
-        <pc:spChg chg="mod">
-          <ac:chgData name="Arjan Kamberg" userId="2cfeac95-aab1-41a7-bca5-796b19d85bc0" providerId="ADAL" clId="{6D9F55C0-E474-3341-A21F-4E928A888976}" dt="2020-01-11T11:09:44.497" v="61" actId="20577"/>
-          <ac:spMkLst>
-            <pc:docMk/>
-            <pc:sldMk cId="2952350753" sldId="354"/>
-            <ac:spMk id="3" creationId="{00000000-0000-0000-0000-000000000000}"/>
-          </ac:spMkLst>
-        </pc:spChg>
-      </pc:sldChg>
-      <pc:sldChg chg="del">
-        <pc:chgData name="Arjan Kamberg" userId="2cfeac95-aab1-41a7-bca5-796b19d85bc0" providerId="ADAL" clId="{6D9F55C0-E474-3341-A21F-4E928A888976}" dt="2020-01-11T11:05:59.473" v="2" actId="2696"/>
-        <pc:sldMkLst>
-          <pc:docMk/>
-          <pc:sldMk cId="494488438" sldId="355"/>
-        </pc:sldMkLst>
-      </pc:sldChg>
-      <pc:sldChg chg="addSp delSp modSp add">
-        <pc:chgData name="Arjan Kamberg" userId="2cfeac95-aab1-41a7-bca5-796b19d85bc0" providerId="ADAL" clId="{6D9F55C0-E474-3341-A21F-4E928A888976}" dt="2020-01-11T11:13:14.508" v="117" actId="20577"/>
-        <pc:sldMkLst>
-          <pc:docMk/>
-          <pc:sldMk cId="4049917621" sldId="355"/>
-        </pc:sldMkLst>
-        <pc:spChg chg="del mod">
-          <ac:chgData name="Arjan Kamberg" userId="2cfeac95-aab1-41a7-bca5-796b19d85bc0" providerId="ADAL" clId="{6D9F55C0-E474-3341-A21F-4E928A888976}" dt="2020-01-11T11:10:40.644" v="67" actId="478"/>
-          <ac:spMkLst>
-            <pc:docMk/>
-            <pc:sldMk cId="4049917621" sldId="355"/>
-            <ac:spMk id="3" creationId="{00000000-0000-0000-0000-000000000000}"/>
-          </ac:spMkLst>
-        </pc:spChg>
-        <pc:spChg chg="add mod">
-          <ac:chgData name="Arjan Kamberg" userId="2cfeac95-aab1-41a7-bca5-796b19d85bc0" providerId="ADAL" clId="{6D9F55C0-E474-3341-A21F-4E928A888976}" dt="2020-01-11T11:13:14.508" v="117" actId="20577"/>
-          <ac:spMkLst>
-            <pc:docMk/>
-            <pc:sldMk cId="4049917621" sldId="355"/>
-            <ac:spMk id="4" creationId="{D55B6933-1CFA-C44E-BC22-9F530F7A6516}"/>
-          </ac:spMkLst>
-        </pc:spChg>
-        <pc:picChg chg="add mod">
-          <ac:chgData name="Arjan Kamberg" userId="2cfeac95-aab1-41a7-bca5-796b19d85bc0" providerId="ADAL" clId="{6D9F55C0-E474-3341-A21F-4E928A888976}" dt="2020-01-11T11:10:43.375" v="68" actId="1076"/>
-          <ac:picMkLst>
-            <pc:docMk/>
-            <pc:sldMk cId="4049917621" sldId="355"/>
-            <ac:picMk id="1026" creationId="{D6011935-FE61-004E-AAF6-67BC5970606C}"/>
-          </ac:picMkLst>
-        </pc:picChg>
-        <pc:picChg chg="add del mod">
-          <ac:chgData name="Arjan Kamberg" userId="2cfeac95-aab1-41a7-bca5-796b19d85bc0" providerId="ADAL" clId="{6D9F55C0-E474-3341-A21F-4E928A888976}" dt="2020-01-11T11:12:51.237" v="79" actId="478"/>
-          <ac:picMkLst>
-            <pc:docMk/>
-            <pc:sldMk cId="4049917621" sldId="355"/>
-            <ac:picMk id="1028" creationId="{5825B5C7-3095-F945-BD02-F0FFF064FBCB}"/>
-          </ac:picMkLst>
-        </pc:picChg>
-      </pc:sldChg>
-      <pc:sldChg chg="del">
-        <pc:chgData name="Arjan Kamberg" userId="2cfeac95-aab1-41a7-bca5-796b19d85bc0" providerId="ADAL" clId="{6D9F55C0-E474-3341-A21F-4E928A888976}" dt="2020-01-11T11:06:00.385" v="3" actId="2696"/>
-        <pc:sldMkLst>
-          <pc:docMk/>
-          <pc:sldMk cId="1120725775" sldId="356"/>
-        </pc:sldMkLst>
-      </pc:sldChg>
-      <pc:sldChg chg="del">
-        <pc:chgData name="Arjan Kamberg" userId="2cfeac95-aab1-41a7-bca5-796b19d85bc0" providerId="ADAL" clId="{6D9F55C0-E474-3341-A21F-4E928A888976}" dt="2020-01-11T11:06:00.896" v="4" actId="2696"/>
-        <pc:sldMkLst>
-          <pc:docMk/>
-          <pc:sldMk cId="3578249277" sldId="357"/>
-        </pc:sldMkLst>
-      </pc:sldChg>
-      <pc:sldChg chg="del">
-        <pc:chgData name="Arjan Kamberg" userId="2cfeac95-aab1-41a7-bca5-796b19d85bc0" providerId="ADAL" clId="{6D9F55C0-E474-3341-A21F-4E928A888976}" dt="2020-01-11T11:06:01.339" v="5" actId="2696"/>
-        <pc:sldMkLst>
-          <pc:docMk/>
-          <pc:sldMk cId="87943045" sldId="358"/>
-        </pc:sldMkLst>
-      </pc:sldChg>
-      <pc:sldChg chg="del">
-        <pc:chgData name="Arjan Kamberg" userId="2cfeac95-aab1-41a7-bca5-796b19d85bc0" providerId="ADAL" clId="{6D9F55C0-E474-3341-A21F-4E928A888976}" dt="2020-01-11T11:06:01.758" v="6" actId="2696"/>
-        <pc:sldMkLst>
-          <pc:docMk/>
-          <pc:sldMk cId="3059942140" sldId="359"/>
-        </pc:sldMkLst>
-      </pc:sldChg>
-      <pc:sldChg chg="del">
-        <pc:chgData name="Arjan Kamberg" userId="2cfeac95-aab1-41a7-bca5-796b19d85bc0" providerId="ADAL" clId="{6D9F55C0-E474-3341-A21F-4E928A888976}" dt="2020-01-11T11:06:02.220" v="7" actId="2696"/>
-        <pc:sldMkLst>
-          <pc:docMk/>
-          <pc:sldMk cId="3328990288" sldId="360"/>
-        </pc:sldMkLst>
-      </pc:sldChg>
-      <pc:sldChg chg="del">
-        <pc:chgData name="Arjan Kamberg" userId="2cfeac95-aab1-41a7-bca5-796b19d85bc0" providerId="ADAL" clId="{6D9F55C0-E474-3341-A21F-4E928A888976}" dt="2020-01-11T11:06:03.113" v="9" actId="2696"/>
-        <pc:sldMkLst>
-          <pc:docMk/>
-          <pc:sldMk cId="474100931" sldId="361"/>
-        </pc:sldMkLst>
-      </pc:sldChg>
-      <pc:sldChg chg="del">
-        <pc:chgData name="Arjan Kamberg" userId="2cfeac95-aab1-41a7-bca5-796b19d85bc0" providerId="ADAL" clId="{6D9F55C0-E474-3341-A21F-4E928A888976}" dt="2020-01-11T11:06:03.617" v="10" actId="2696"/>
-        <pc:sldMkLst>
-          <pc:docMk/>
-          <pc:sldMk cId="3827064280" sldId="362"/>
-        </pc:sldMkLst>
-      </pc:sldChg>
-      <pc:sldChg chg="del">
-        <pc:chgData name="Arjan Kamberg" userId="2cfeac95-aab1-41a7-bca5-796b19d85bc0" providerId="ADAL" clId="{6D9F55C0-E474-3341-A21F-4E928A888976}" dt="2020-01-11T11:06:02.651" v="8" actId="2696"/>
-        <pc:sldMkLst>
-          <pc:docMk/>
-          <pc:sldMk cId="1634599960" sldId="363"/>
-        </pc:sldMkLst>
-      </pc:sldChg>
-    </pc:docChg>
-  </pc:docChgLst>
   <pc:docChgLst>
     <pc:chgData name="Jay van Stuijvenberg" userId="9466849dd5cafde3" providerId="OrgId" clId="{8A6CB7A3-05D4-4036-9F13-178EB5799CDE}"/>
     <pc:docChg chg="custSel modSld modMainMaster">
@@ -479,6 +330,155 @@
       </pc:sldMasterChg>
     </pc:docChg>
   </pc:docChgLst>
+  <pc:docChgLst>
+    <pc:chgData name="Arjan Kamberg" userId="2cfeac95-aab1-41a7-bca5-796b19d85bc0" providerId="ADAL" clId="{6D9F55C0-E474-3341-A21F-4E928A888976}"/>
+    <pc:docChg chg="custSel addSld delSld modSld">
+      <pc:chgData name="Arjan Kamberg" userId="2cfeac95-aab1-41a7-bca5-796b19d85bc0" providerId="ADAL" clId="{6D9F55C0-E474-3341-A21F-4E928A888976}" dt="2020-01-11T11:13:14.508" v="117" actId="20577"/>
+      <pc:docMkLst>
+        <pc:docMk/>
+      </pc:docMkLst>
+      <pc:sldChg chg="modSp">
+        <pc:chgData name="Arjan Kamberg" userId="2cfeac95-aab1-41a7-bca5-796b19d85bc0" providerId="ADAL" clId="{6D9F55C0-E474-3341-A21F-4E928A888976}" dt="2020-01-11T11:05:51.193" v="0"/>
+        <pc:sldMkLst>
+          <pc:docMk/>
+          <pc:sldMk cId="248983296" sldId="256"/>
+        </pc:sldMkLst>
+        <pc:spChg chg="mod">
+          <ac:chgData name="Arjan Kamberg" userId="2cfeac95-aab1-41a7-bca5-796b19d85bc0" providerId="ADAL" clId="{6D9F55C0-E474-3341-A21F-4E928A888976}" dt="2020-01-11T11:05:51.193" v="0"/>
+          <ac:spMkLst>
+            <pc:docMk/>
+            <pc:sldMk cId="248983296" sldId="256"/>
+            <ac:spMk id="8" creationId="{504648F9-71D5-4088-A705-93B3953EDA91}"/>
+          </ac:spMkLst>
+        </pc:spChg>
+      </pc:sldChg>
+      <pc:sldChg chg="modSp">
+        <pc:chgData name="Arjan Kamberg" userId="2cfeac95-aab1-41a7-bca5-796b19d85bc0" providerId="ADAL" clId="{6D9F55C0-E474-3341-A21F-4E928A888976}" dt="2020-01-11T11:09:44.497" v="61" actId="20577"/>
+        <pc:sldMkLst>
+          <pc:docMk/>
+          <pc:sldMk cId="2952350753" sldId="354"/>
+        </pc:sldMkLst>
+        <pc:spChg chg="mod">
+          <ac:chgData name="Arjan Kamberg" userId="2cfeac95-aab1-41a7-bca5-796b19d85bc0" providerId="ADAL" clId="{6D9F55C0-E474-3341-A21F-4E928A888976}" dt="2020-01-11T11:09:32.035" v="27" actId="20577"/>
+          <ac:spMkLst>
+            <pc:docMk/>
+            <pc:sldMk cId="2952350753" sldId="354"/>
+            <ac:spMk id="2" creationId="{00000000-0000-0000-0000-000000000000}"/>
+          </ac:spMkLst>
+        </pc:spChg>
+        <pc:spChg chg="mod">
+          <ac:chgData name="Arjan Kamberg" userId="2cfeac95-aab1-41a7-bca5-796b19d85bc0" providerId="ADAL" clId="{6D9F55C0-E474-3341-A21F-4E928A888976}" dt="2020-01-11T11:09:44.497" v="61" actId="20577"/>
+          <ac:spMkLst>
+            <pc:docMk/>
+            <pc:sldMk cId="2952350753" sldId="354"/>
+            <ac:spMk id="3" creationId="{00000000-0000-0000-0000-000000000000}"/>
+          </ac:spMkLst>
+        </pc:spChg>
+      </pc:sldChg>
+      <pc:sldChg chg="del">
+        <pc:chgData name="Arjan Kamberg" userId="2cfeac95-aab1-41a7-bca5-796b19d85bc0" providerId="ADAL" clId="{6D9F55C0-E474-3341-A21F-4E928A888976}" dt="2020-01-11T11:05:59.473" v="2" actId="2696"/>
+        <pc:sldMkLst>
+          <pc:docMk/>
+          <pc:sldMk cId="494488438" sldId="355"/>
+        </pc:sldMkLst>
+      </pc:sldChg>
+      <pc:sldChg chg="addSp delSp modSp add">
+        <pc:chgData name="Arjan Kamberg" userId="2cfeac95-aab1-41a7-bca5-796b19d85bc0" providerId="ADAL" clId="{6D9F55C0-E474-3341-A21F-4E928A888976}" dt="2020-01-11T11:13:14.508" v="117" actId="20577"/>
+        <pc:sldMkLst>
+          <pc:docMk/>
+          <pc:sldMk cId="4049917621" sldId="355"/>
+        </pc:sldMkLst>
+        <pc:spChg chg="del mod">
+          <ac:chgData name="Arjan Kamberg" userId="2cfeac95-aab1-41a7-bca5-796b19d85bc0" providerId="ADAL" clId="{6D9F55C0-E474-3341-A21F-4E928A888976}" dt="2020-01-11T11:10:40.644" v="67" actId="478"/>
+          <ac:spMkLst>
+            <pc:docMk/>
+            <pc:sldMk cId="4049917621" sldId="355"/>
+            <ac:spMk id="3" creationId="{00000000-0000-0000-0000-000000000000}"/>
+          </ac:spMkLst>
+        </pc:spChg>
+        <pc:spChg chg="add mod">
+          <ac:chgData name="Arjan Kamberg" userId="2cfeac95-aab1-41a7-bca5-796b19d85bc0" providerId="ADAL" clId="{6D9F55C0-E474-3341-A21F-4E928A888976}" dt="2020-01-11T11:13:14.508" v="117" actId="20577"/>
+          <ac:spMkLst>
+            <pc:docMk/>
+            <pc:sldMk cId="4049917621" sldId="355"/>
+            <ac:spMk id="4" creationId="{D55B6933-1CFA-C44E-BC22-9F530F7A6516}"/>
+          </ac:spMkLst>
+        </pc:spChg>
+        <pc:picChg chg="add mod">
+          <ac:chgData name="Arjan Kamberg" userId="2cfeac95-aab1-41a7-bca5-796b19d85bc0" providerId="ADAL" clId="{6D9F55C0-E474-3341-A21F-4E928A888976}" dt="2020-01-11T11:10:43.375" v="68" actId="1076"/>
+          <ac:picMkLst>
+            <pc:docMk/>
+            <pc:sldMk cId="4049917621" sldId="355"/>
+            <ac:picMk id="1026" creationId="{D6011935-FE61-004E-AAF6-67BC5970606C}"/>
+          </ac:picMkLst>
+        </pc:picChg>
+        <pc:picChg chg="add del mod">
+          <ac:chgData name="Arjan Kamberg" userId="2cfeac95-aab1-41a7-bca5-796b19d85bc0" providerId="ADAL" clId="{6D9F55C0-E474-3341-A21F-4E928A888976}" dt="2020-01-11T11:12:51.237" v="79" actId="478"/>
+          <ac:picMkLst>
+            <pc:docMk/>
+            <pc:sldMk cId="4049917621" sldId="355"/>
+            <ac:picMk id="1028" creationId="{5825B5C7-3095-F945-BD02-F0FFF064FBCB}"/>
+          </ac:picMkLst>
+        </pc:picChg>
+      </pc:sldChg>
+      <pc:sldChg chg="del">
+        <pc:chgData name="Arjan Kamberg" userId="2cfeac95-aab1-41a7-bca5-796b19d85bc0" providerId="ADAL" clId="{6D9F55C0-E474-3341-A21F-4E928A888976}" dt="2020-01-11T11:06:00.385" v="3" actId="2696"/>
+        <pc:sldMkLst>
+          <pc:docMk/>
+          <pc:sldMk cId="1120725775" sldId="356"/>
+        </pc:sldMkLst>
+      </pc:sldChg>
+      <pc:sldChg chg="del">
+        <pc:chgData name="Arjan Kamberg" userId="2cfeac95-aab1-41a7-bca5-796b19d85bc0" providerId="ADAL" clId="{6D9F55C0-E474-3341-A21F-4E928A888976}" dt="2020-01-11T11:06:00.896" v="4" actId="2696"/>
+        <pc:sldMkLst>
+          <pc:docMk/>
+          <pc:sldMk cId="3578249277" sldId="357"/>
+        </pc:sldMkLst>
+      </pc:sldChg>
+      <pc:sldChg chg="del">
+        <pc:chgData name="Arjan Kamberg" userId="2cfeac95-aab1-41a7-bca5-796b19d85bc0" providerId="ADAL" clId="{6D9F55C0-E474-3341-A21F-4E928A888976}" dt="2020-01-11T11:06:01.339" v="5" actId="2696"/>
+        <pc:sldMkLst>
+          <pc:docMk/>
+          <pc:sldMk cId="87943045" sldId="358"/>
+        </pc:sldMkLst>
+      </pc:sldChg>
+      <pc:sldChg chg="del">
+        <pc:chgData name="Arjan Kamberg" userId="2cfeac95-aab1-41a7-bca5-796b19d85bc0" providerId="ADAL" clId="{6D9F55C0-E474-3341-A21F-4E928A888976}" dt="2020-01-11T11:06:01.758" v="6" actId="2696"/>
+        <pc:sldMkLst>
+          <pc:docMk/>
+          <pc:sldMk cId="3059942140" sldId="359"/>
+        </pc:sldMkLst>
+      </pc:sldChg>
+      <pc:sldChg chg="del">
+        <pc:chgData name="Arjan Kamberg" userId="2cfeac95-aab1-41a7-bca5-796b19d85bc0" providerId="ADAL" clId="{6D9F55C0-E474-3341-A21F-4E928A888976}" dt="2020-01-11T11:06:02.220" v="7" actId="2696"/>
+        <pc:sldMkLst>
+          <pc:docMk/>
+          <pc:sldMk cId="3328990288" sldId="360"/>
+        </pc:sldMkLst>
+      </pc:sldChg>
+      <pc:sldChg chg="del">
+        <pc:chgData name="Arjan Kamberg" userId="2cfeac95-aab1-41a7-bca5-796b19d85bc0" providerId="ADAL" clId="{6D9F55C0-E474-3341-A21F-4E928A888976}" dt="2020-01-11T11:06:03.113" v="9" actId="2696"/>
+        <pc:sldMkLst>
+          <pc:docMk/>
+          <pc:sldMk cId="474100931" sldId="361"/>
+        </pc:sldMkLst>
+      </pc:sldChg>
+      <pc:sldChg chg="del">
+        <pc:chgData name="Arjan Kamberg" userId="2cfeac95-aab1-41a7-bca5-796b19d85bc0" providerId="ADAL" clId="{6D9F55C0-E474-3341-A21F-4E928A888976}" dt="2020-01-11T11:06:03.617" v="10" actId="2696"/>
+        <pc:sldMkLst>
+          <pc:docMk/>
+          <pc:sldMk cId="3827064280" sldId="362"/>
+        </pc:sldMkLst>
+      </pc:sldChg>
+      <pc:sldChg chg="del">
+        <pc:chgData name="Arjan Kamberg" userId="2cfeac95-aab1-41a7-bca5-796b19d85bc0" providerId="ADAL" clId="{6D9F55C0-E474-3341-A21F-4E928A888976}" dt="2020-01-11T11:06:02.651" v="8" actId="2696"/>
+        <pc:sldMkLst>
+          <pc:docMk/>
+          <pc:sldMk cId="1634599960" sldId="363"/>
+        </pc:sldMkLst>
+      </pc:sldChg>
+    </pc:docChg>
+  </pc:docChgLst>
 </pc:chgInfo>
 </file>
 
@@ -564,7 +564,7 @@
           <a:p>
             <a:fld id="{25ED37B6-3D2B-42F6-B75F-7E9C925A2B78}" type="datetimeFigureOut">
               <a:rPr lang="nl-NL" smtClean="0"/>
-              <a:t>11-01-2020</a:t>
+              <a:t>13-09-2023</a:t>
             </a:fld>
             <a:endParaRPr lang="nl-NL"/>
           </a:p>
@@ -729,7 +729,7 @@
           <a:p>
             <a:fld id="{67D95C54-6F9B-4C49-BF56-4D62B2D71ED9}" type="datetimeFigureOut">
               <a:rPr lang="nl-NL" smtClean="0"/>
-              <a:t>11-01-2020</a:t>
+              <a:t>13-09-2023</a:t>
             </a:fld>
             <a:endParaRPr lang="nl-NL"/>
           </a:p>
@@ -6747,21 +6747,6 @@
 </file>
 
 <file path=customXml/item1.xml><?xml version="1.0" encoding="utf-8"?>
-<p:properties xmlns:p="http://schemas.microsoft.com/office/2006/metadata/properties" xmlns:xsi="http://www.w3.org/2001/XMLSchema-instance" xmlns:pc="http://schemas.microsoft.com/office/infopath/2007/PartnerControls">
-  <documentManagement/>
-</p:properties>
-</file>
-
-<file path=customXml/item2.xml><?xml version="1.0" encoding="utf-8"?>
-<?mso-contentType ?>
-<FormTemplates xmlns="http://schemas.microsoft.com/sharepoint/v3/contenttype/forms">
-  <Display>DocumentLibraryForm</Display>
-  <Edit>DocumentLibraryForm</Edit>
-  <New>DocumentLibraryForm</New>
-</FormTemplates>
-</file>
-
-<file path=customXml/item3.xml><?xml version="1.0" encoding="utf-8"?>
 <ct:contentTypeSchema xmlns:ct="http://schemas.microsoft.com/office/2006/metadata/contentType" xmlns:ma="http://schemas.microsoft.com/office/2006/metadata/properties/metaAttributes" ct:_="" ma:_="" ma:contentTypeName="Document" ma:contentTypeID="0x0101004EE29C275B0330428D2BFA2C8D576F4B" ma:contentTypeVersion="0" ma:contentTypeDescription="Een nieuw document maken." ma:contentTypeScope="" ma:versionID="6f3e0ea117c09d99e40ae3b100a299dc">
   <xsd:schema xmlns:xsd="http://www.w3.org/2001/XMLSchema" xmlns:xs="http://www.w3.org/2001/XMLSchema" xmlns:p="http://schemas.microsoft.com/office/2006/metadata/properties" targetNamespace="http://schemas.microsoft.com/office/2006/metadata/properties" ma:root="true" ma:fieldsID="1978a156f712f99d6452530788f7ffe9">
     <xsd:element name="properties">
@@ -6875,17 +6860,33 @@
 </ct:contentTypeSchema>
 </file>
 
+<file path=customXml/item2.xml><?xml version="1.0" encoding="utf-8"?>
+<?mso-contentType ?>
+<FormTemplates xmlns="http://schemas.microsoft.com/sharepoint/v3/contenttype/forms">
+  <Display>DocumentLibraryForm</Display>
+  <Edit>DocumentLibraryForm</Edit>
+  <New>DocumentLibraryForm</New>
+</FormTemplates>
+</file>
+
+<file path=customXml/item3.xml><?xml version="1.0" encoding="utf-8"?>
+<p:properties xmlns:p="http://schemas.microsoft.com/office/2006/metadata/properties" xmlns:xsi="http://www.w3.org/2001/XMLSchema-instance" xmlns:pc="http://schemas.microsoft.com/office/infopath/2007/PartnerControls">
+  <documentManagement/>
+</p:properties>
+</file>
+
 <file path=customXml/itemProps1.xml><?xml version="1.0" encoding="utf-8"?>
-<ds:datastoreItem xmlns:ds="http://schemas.openxmlformats.org/officeDocument/2006/customXml" ds:itemID="{A03AAC8F-903D-4F48-B309-C4EB3B4EEDDC}">
+<ds:datastoreItem xmlns:ds="http://schemas.openxmlformats.org/officeDocument/2006/customXml" ds:itemID="{7C812B3D-632E-45B1-BE3D-5F5FC6F96A1A}">
   <ds:schemaRefs>
-    <ds:schemaRef ds:uri="http://www.w3.org/XML/1998/namespace"/>
+    <ds:schemaRef ds:uri="http://schemas.microsoft.com/office/2006/metadata/contentType"/>
+    <ds:schemaRef ds:uri="http://schemas.microsoft.com/office/2006/metadata/properties/metaAttributes"/>
+    <ds:schemaRef ds:uri="http://www.w3.org/2001/XMLSchema"/>
+    <ds:schemaRef ds:uri="http://schemas.microsoft.com/office/2006/metadata/properties"/>
+    <ds:schemaRef ds:uri="http://schemas.openxmlformats.org/package/2006/metadata/core-properties"/>
+    <ds:schemaRef ds:uri="http://purl.org/dc/elements/1.1/"/>
     <ds:schemaRef ds:uri="http://purl.org/dc/terms/"/>
-    <ds:schemaRef ds:uri="http://purl.org/dc/elements/1.1/"/>
-    <ds:schemaRef ds:uri="http://schemas.openxmlformats.org/package/2006/metadata/core-properties"/>
-    <ds:schemaRef ds:uri="http://schemas.microsoft.com/office/2006/documentManagement/types"/>
+    <ds:schemaRef ds:uri="http://schemas.microsoft.com/internal/obd"/>
     <ds:schemaRef ds:uri="http://schemas.microsoft.com/office/infopath/2007/PartnerControls"/>
-    <ds:schemaRef ds:uri="http://purl.org/dc/dcmitype/"/>
-    <ds:schemaRef ds:uri="http://schemas.microsoft.com/office/2006/metadata/properties"/>
   </ds:schemaRefs>
 </ds:datastoreItem>
 </file>
@@ -6899,17 +6900,16 @@
 </file>
 
 <file path=customXml/itemProps3.xml><?xml version="1.0" encoding="utf-8"?>
-<ds:datastoreItem xmlns:ds="http://schemas.openxmlformats.org/officeDocument/2006/customXml" ds:itemID="{7C812B3D-632E-45B1-BE3D-5F5FC6F96A1A}">
+<ds:datastoreItem xmlns:ds="http://schemas.openxmlformats.org/officeDocument/2006/customXml" ds:itemID="{A03AAC8F-903D-4F48-B309-C4EB3B4EEDDC}">
   <ds:schemaRefs>
-    <ds:schemaRef ds:uri="http://schemas.microsoft.com/office/2006/metadata/contentType"/>
-    <ds:schemaRef ds:uri="http://schemas.microsoft.com/office/2006/metadata/properties/metaAttributes"/>
-    <ds:schemaRef ds:uri="http://www.w3.org/2001/XMLSchema"/>
+    <ds:schemaRef ds:uri="http://www.w3.org/XML/1998/namespace"/>
+    <ds:schemaRef ds:uri="http://purl.org/dc/terms/"/>
+    <ds:schemaRef ds:uri="http://purl.org/dc/elements/1.1/"/>
+    <ds:schemaRef ds:uri="http://schemas.openxmlformats.org/package/2006/metadata/core-properties"/>
+    <ds:schemaRef ds:uri="http://schemas.microsoft.com/office/2006/documentManagement/types"/>
+    <ds:schemaRef ds:uri="http://schemas.microsoft.com/office/infopath/2007/PartnerControls"/>
+    <ds:schemaRef ds:uri="http://purl.org/dc/dcmitype/"/>
     <ds:schemaRef ds:uri="http://schemas.microsoft.com/office/2006/metadata/properties"/>
-    <ds:schemaRef ds:uri="http://schemas.openxmlformats.org/package/2006/metadata/core-properties"/>
-    <ds:schemaRef ds:uri="http://purl.org/dc/elements/1.1/"/>
-    <ds:schemaRef ds:uri="http://purl.org/dc/terms/"/>
-    <ds:schemaRef ds:uri="http://schemas.microsoft.com/internal/obd"/>
-    <ds:schemaRef ds:uri="http://schemas.microsoft.com/office/infopath/2007/PartnerControls"/>
   </ds:schemaRefs>
 </ds:datastoreItem>
 </file>